--- a/Presentations/Aula01-Introducao/01-Redes-Introducao.pptx
+++ b/Presentations/Aula01-Introducao/01-Redes-Introducao.pptx
@@ -430,7 +430,7 @@
             <a:fld id="{1D8BD707-D9CF-40AE-B4C6-C98DA3205C09}" type="datetimeFigureOut">
               <a:rPr lang="en-US" smtClean="0"/>
               <a:pPr/>
-              <a:t>7/27/2016</a:t>
+              <a:t>7/29/2017</a:t>
             </a:fld>
             <a:endParaRPr lang="en-US"/>
           </a:p>
@@ -623,7 +623,7 @@
             <a:fld id="{1D8BD707-D9CF-40AE-B4C6-C98DA3205C09}" type="datetimeFigureOut">
               <a:rPr lang="en-US" smtClean="0"/>
               <a:pPr/>
-              <a:t>7/27/2016</a:t>
+              <a:t>7/29/2017</a:t>
             </a:fld>
             <a:endParaRPr lang="en-US"/>
           </a:p>
@@ -810,7 +810,7 @@
             <a:fld id="{1D8BD707-D9CF-40AE-B4C6-C98DA3205C09}" type="datetimeFigureOut">
               <a:rPr lang="en-US" smtClean="0"/>
               <a:pPr/>
-              <a:t>7/27/2016</a:t>
+              <a:t>7/29/2017</a:t>
             </a:fld>
             <a:endParaRPr lang="en-US"/>
           </a:p>
@@ -1075,7 +1075,7 @@
             <a:fld id="{1D8BD707-D9CF-40AE-B4C6-C98DA3205C09}" type="datetimeFigureOut">
               <a:rPr lang="en-US" smtClean="0"/>
               <a:pPr/>
-              <a:t>7/27/2016</a:t>
+              <a:t>7/29/2017</a:t>
             </a:fld>
             <a:endParaRPr lang="en-US"/>
           </a:p>
@@ -1493,7 +1493,7 @@
             <a:fld id="{1D8BD707-D9CF-40AE-B4C6-C98DA3205C09}" type="datetimeFigureOut">
               <a:rPr lang="en-US" smtClean="0"/>
               <a:pPr/>
-              <a:t>7/27/2016</a:t>
+              <a:t>7/29/2017</a:t>
             </a:fld>
             <a:endParaRPr lang="en-US"/>
           </a:p>
@@ -1737,7 +1737,7 @@
             <a:fld id="{1D8BD707-D9CF-40AE-B4C6-C98DA3205C09}" type="datetimeFigureOut">
               <a:rPr lang="en-US" smtClean="0"/>
               <a:pPr/>
-              <a:t>7/27/2016</a:t>
+              <a:t>7/29/2017</a:t>
             </a:fld>
             <a:endParaRPr lang="en-US"/>
           </a:p>
@@ -1975,7 +1975,7 @@
             <a:fld id="{1D8BD707-D9CF-40AE-B4C6-C98DA3205C09}" type="datetimeFigureOut">
               <a:rPr lang="en-US" smtClean="0"/>
               <a:pPr/>
-              <a:t>7/27/2016</a:t>
+              <a:t>7/29/2017</a:t>
             </a:fld>
             <a:endParaRPr lang="en-US"/>
           </a:p>
@@ -2172,7 +2172,7 @@
             <a:fld id="{1D8BD707-D9CF-40AE-B4C6-C98DA3205C09}" type="datetimeFigureOut">
               <a:rPr lang="en-US" smtClean="0"/>
               <a:pPr/>
-              <a:t>7/27/2016</a:t>
+              <a:t>7/29/2017</a:t>
             </a:fld>
             <a:endParaRPr lang="en-US"/>
           </a:p>
@@ -2272,7 +2272,7 @@
             <a:fld id="{1D8BD707-D9CF-40AE-B4C6-C98DA3205C09}" type="datetimeFigureOut">
               <a:rPr lang="en-US" smtClean="0"/>
               <a:pPr/>
-              <a:t>7/27/2016</a:t>
+              <a:t>7/29/2017</a:t>
             </a:fld>
             <a:endParaRPr lang="en-US"/>
           </a:p>
@@ -2410,7 +2410,7 @@
             <a:fld id="{1D8BD707-D9CF-40AE-B4C6-C98DA3205C09}" type="datetimeFigureOut">
               <a:rPr lang="en-US" smtClean="0"/>
               <a:pPr/>
-              <a:t>7/27/2016</a:t>
+              <a:t>7/29/2017</a:t>
             </a:fld>
             <a:endParaRPr lang="en-US"/>
           </a:p>
@@ -2930,7 +2930,7 @@
             <a:fld id="{1D8BD707-D9CF-40AE-B4C6-C98DA3205C09}" type="datetimeFigureOut">
               <a:rPr lang="en-US" smtClean="0"/>
               <a:pPr/>
-              <a:t>7/27/2016</a:t>
+              <a:t>7/29/2017</a:t>
             </a:fld>
             <a:endParaRPr lang="en-US"/>
           </a:p>
@@ -3193,7 +3193,7 @@
             <a:fld id="{1D8BD707-D9CF-40AE-B4C6-C98DA3205C09}" type="datetimeFigureOut">
               <a:rPr lang="en-US" smtClean="0"/>
               <a:pPr/>
-              <a:t>7/27/2016</a:t>
+              <a:t>7/29/2017</a:t>
             </a:fld>
             <a:endParaRPr lang="en-US"/>
           </a:p>
@@ -3899,7 +3899,7 @@
           <p:nvPr/>
         </p:nvPicPr>
         <p:blipFill>
-          <a:blip r:embed="rId2"/>
+          <a:blip r:embed="rId2" cstate="print"/>
           <a:srcRect/>
           <a:stretch>
             <a:fillRect/>
@@ -4017,7 +4017,7 @@
           <p:nvPr/>
         </p:nvPicPr>
         <p:blipFill>
-          <a:blip r:embed="rId2"/>
+          <a:blip r:embed="rId2" cstate="print"/>
           <a:srcRect/>
           <a:stretch>
             <a:fillRect/>
@@ -4135,7 +4135,7 @@
           <p:nvPr/>
         </p:nvPicPr>
         <p:blipFill>
-          <a:blip r:embed="rId2"/>
+          <a:blip r:embed="rId2" cstate="print"/>
           <a:srcRect/>
           <a:stretch>
             <a:fillRect/>
@@ -4244,7 +4244,7 @@
           <p:nvPr/>
         </p:nvPicPr>
         <p:blipFill>
-          <a:blip r:embed="rId2"/>
+          <a:blip r:embed="rId2" cstate="print"/>
           <a:srcRect/>
           <a:stretch>
             <a:fillRect/>
@@ -4367,7 +4367,7 @@
           <p:nvPr/>
         </p:nvPicPr>
         <p:blipFill>
-          <a:blip r:embed="rId2"/>
+          <a:blip r:embed="rId2" cstate="print"/>
           <a:srcRect/>
           <a:stretch>
             <a:fillRect/>
@@ -4955,7 +4955,7 @@
           <p:nvPr/>
         </p:nvPicPr>
         <p:blipFill>
-          <a:blip r:embed="rId2"/>
+          <a:blip r:embed="rId2" cstate="print"/>
           <a:srcRect/>
           <a:stretch>
             <a:fillRect/>
@@ -5712,7 +5712,7 @@
           <p:nvPr/>
         </p:nvPicPr>
         <p:blipFill>
-          <a:blip r:embed="rId2"/>
+          <a:blip r:embed="rId2" cstate="print"/>
           <a:srcRect/>
           <a:stretch>
             <a:fillRect/>
@@ -12806,7 +12806,7 @@
           <p:nvPr/>
         </p:nvPicPr>
         <p:blipFill>
-          <a:blip r:embed="rId3"/>
+          <a:blip r:embed="rId3" cstate="print"/>
           <a:srcRect/>
           <a:stretch>
             <a:fillRect/>
@@ -14709,7 +14709,7 @@
           <p:nvPr/>
         </p:nvPicPr>
         <p:blipFill>
-          <a:blip r:embed="rId2"/>
+          <a:blip r:embed="rId2" cstate="print"/>
           <a:srcRect/>
           <a:stretch>
             <a:fillRect/>
@@ -14920,11 +14920,7 @@
             <a:pPr lvl="1"/>
             <a:r>
               <a:rPr lang="pt-BR" dirty="0" smtClean="0"/>
-              <a:t>Depende da distância do enlace e velocidade no </a:t>
-            </a:r>
-            <a:r>
-              <a:rPr lang="pt-BR" dirty="0" smtClean="0"/>
-              <a:t>meio</a:t>
+              <a:t>Depende da distância do enlace e velocidade no meio</a:t>
             </a:r>
           </a:p>
           <a:p>
@@ -15219,7 +15215,7 @@
           <p:nvPr/>
         </p:nvPicPr>
         <p:blipFill>
-          <a:blip r:embed="rId2"/>
+          <a:blip r:embed="rId2" cstate="print"/>
           <a:srcRect/>
           <a:stretch>
             <a:fillRect/>
@@ -19959,7 +19955,7 @@
           <p:nvPr/>
         </p:nvPicPr>
         <p:blipFill>
-          <a:blip r:embed="rId2"/>
+          <a:blip r:embed="rId2" cstate="print"/>
           <a:srcRect/>
           <a:stretch>
             <a:fillRect/>
@@ -20117,8 +20113,13 @@
             <a:pPr lvl="1"/>
             <a:r>
               <a:rPr lang="pt-BR" dirty="0" smtClean="0"/>
-              <a:t>Comutação de circuitos</a:t>
-            </a:r>
+              <a:t>Circuitos </a:t>
+            </a:r>
+            <a:r>
+              <a:rPr lang="pt-BR" dirty="0" smtClean="0"/>
+              <a:t>virtuais</a:t>
+            </a:r>
+            <a:endParaRPr lang="pt-BR" dirty="0" smtClean="0"/>
           </a:p>
           <a:p>
             <a:pPr lvl="2"/>
@@ -20145,14 +20146,18 @@
             <a:pPr lvl="1"/>
             <a:r>
               <a:rPr lang="pt-BR" dirty="0" smtClean="0"/>
-              <a:t>Comutação de pacotes</a:t>
+              <a:t>Rede de datagramas</a:t>
             </a:r>
           </a:p>
           <a:p>
             <a:pPr lvl="2"/>
             <a:r>
               <a:rPr lang="pt-BR" dirty="0" smtClean="0"/>
-              <a:t>Rede de datagramas</a:t>
+              <a:t>Rede </a:t>
+            </a:r>
+            <a:r>
+              <a:rPr lang="pt-BR" dirty="0" smtClean="0"/>
+              <a:t>de datagramas</a:t>
             </a:r>
           </a:p>
           <a:p>
@@ -20180,7 +20185,7 @@
           <p:nvPr/>
         </p:nvPicPr>
         <p:blipFill>
-          <a:blip r:embed="rId2"/>
+          <a:blip r:embed="rId2" cstate="print"/>
           <a:srcRect/>
           <a:stretch>
             <a:fillRect/>
@@ -20213,7 +20218,7 @@
           <p:nvPr/>
         </p:nvPicPr>
         <p:blipFill>
-          <a:blip r:embed="rId3"/>
+          <a:blip r:embed="rId3" cstate="print"/>
           <a:srcRect/>
           <a:stretch>
             <a:fillRect/>
@@ -20464,7 +20469,7 @@
           <p:nvPr/>
         </p:nvPicPr>
         <p:blipFill>
-          <a:blip r:embed="rId2"/>
+          <a:blip r:embed="rId2" cstate="print"/>
           <a:srcRect/>
           <a:stretch>
             <a:fillRect/>
